--- a/arch.pptx
+++ b/arch.pptx
@@ -5,11 +5,13 @@
     <p:sldMasterId id="2147483648" r:id="rId1"/>
   </p:sldMasterIdLst>
   <p:notesMasterIdLst>
-    <p:notesMasterId r:id="rId4"/>
+    <p:notesMasterId r:id="rId6"/>
   </p:notesMasterIdLst>
   <p:sldIdLst>
     <p:sldId id="256" r:id="rId2"/>
     <p:sldId id="257" r:id="rId3"/>
+    <p:sldId id="258" r:id="rId4"/>
+    <p:sldId id="259" r:id="rId5"/>
   </p:sldIdLst>
   <p:sldSz cx="12192000" cy="6858000"/>
   <p:notesSz cx="6858000" cy="9144000"/>
@@ -108,6 +110,11 @@
       </a:defRPr>
     </a:lvl9pPr>
   </p:defaultTextStyle>
+  <p:extLst>
+    <p:ext uri="{EFAFB233-063F-42B5-8137-9DF3F51BA10A}">
+      <p15:sldGuideLst xmlns:p15="http://schemas.microsoft.com/office/powerpoint/2012/main"/>
+    </p:ext>
+  </p:extLst>
 </p:presentation>
 </file>
 
@@ -193,7 +200,7 @@
           <a:p>
             <a:fld id="{8B82CD43-3481-42DA-80C3-D251BAA9406A}" type="datetimeFigureOut">
               <a:rPr lang="en-US" smtClean="0"/>
-              <a:t>2/19/2024</a:t>
+              <a:t>2/20/2024</a:t>
             </a:fld>
             <a:endParaRPr lang="en-US"/>
           </a:p>
@@ -550,6 +557,120 @@
 </p:notes>
 </file>
 
+<file path=ppt/notesSlides/notesSlide2.xml><?xml version="1.0" encoding="utf-8"?>
+<p:notes xmlns:a="http://schemas.openxmlformats.org/drawingml/2006/main" xmlns:r="http://schemas.openxmlformats.org/officeDocument/2006/relationships" xmlns:p="http://schemas.openxmlformats.org/presentationml/2006/main">
+  <p:cSld>
+    <p:spTree>
+      <p:nvGrpSpPr>
+        <p:cNvPr id="1" name="">
+          <a:extLst>
+            <a:ext uri="{FF2B5EF4-FFF2-40B4-BE49-F238E27FC236}">
+              <a16:creationId xmlns:a16="http://schemas.microsoft.com/office/drawing/2014/main" id="{CA8AE2BA-278B-B93A-2EC8-8EA547BFFCF8}"/>
+            </a:ext>
+          </a:extLst>
+        </p:cNvPr>
+        <p:cNvGrpSpPr/>
+        <p:nvPr/>
+      </p:nvGrpSpPr>
+      <p:grpSpPr>
+        <a:xfrm>
+          <a:off x="0" y="0"/>
+          <a:ext cx="0" cy="0"/>
+          <a:chOff x="0" y="0"/>
+          <a:chExt cx="0" cy="0"/>
+        </a:xfrm>
+      </p:grpSpPr>
+      <p:sp>
+        <p:nvSpPr>
+          <p:cNvPr id="2" name="Slide Image Placeholder 1">
+            <a:extLst>
+              <a:ext uri="{FF2B5EF4-FFF2-40B4-BE49-F238E27FC236}">
+                <a16:creationId xmlns:a16="http://schemas.microsoft.com/office/drawing/2014/main" id="{E06C06BB-ED09-8CC4-8F14-DE051B522BB4}"/>
+              </a:ext>
+            </a:extLst>
+          </p:cNvPr>
+          <p:cNvSpPr>
+            <a:spLocks noGrp="1" noRot="1" noChangeAspect="1"/>
+          </p:cNvSpPr>
+          <p:nvPr>
+            <p:ph type="sldImg"/>
+          </p:nvPr>
+        </p:nvSpPr>
+        <p:spPr/>
+      </p:sp>
+      <p:sp>
+        <p:nvSpPr>
+          <p:cNvPr id="3" name="Notes Placeholder 2">
+            <a:extLst>
+              <a:ext uri="{FF2B5EF4-FFF2-40B4-BE49-F238E27FC236}">
+                <a16:creationId xmlns:a16="http://schemas.microsoft.com/office/drawing/2014/main" id="{40DDF66E-569A-E94C-BAA7-D497E5CB7ED0}"/>
+              </a:ext>
+            </a:extLst>
+          </p:cNvPr>
+          <p:cNvSpPr>
+            <a:spLocks noGrp="1"/>
+          </p:cNvSpPr>
+          <p:nvPr>
+            <p:ph type="body" idx="1"/>
+          </p:nvPr>
+        </p:nvSpPr>
+        <p:spPr/>
+        <p:txBody>
+          <a:bodyPr/>
+          <a:lstStyle/>
+          <a:p>
+            <a:r>
+              <a:rPr lang="en-US" dirty="0">
+                <a:hlinkClick r:id="rId3"/>
+              </a:rPr>
+              <a:t>DNS for Services and Pods | Kubernetes</a:t>
+            </a:r>
+            <a:endParaRPr lang="en-US" dirty="0"/>
+          </a:p>
+        </p:txBody>
+      </p:sp>
+      <p:sp>
+        <p:nvSpPr>
+          <p:cNvPr id="4" name="Slide Number Placeholder 3">
+            <a:extLst>
+              <a:ext uri="{FF2B5EF4-FFF2-40B4-BE49-F238E27FC236}">
+                <a16:creationId xmlns:a16="http://schemas.microsoft.com/office/drawing/2014/main" id="{577AC08E-E57C-4061-E197-EA15DA42D00F}"/>
+              </a:ext>
+            </a:extLst>
+          </p:cNvPr>
+          <p:cNvSpPr>
+            <a:spLocks noGrp="1"/>
+          </p:cNvSpPr>
+          <p:nvPr>
+            <p:ph type="sldNum" sz="quarter" idx="5"/>
+          </p:nvPr>
+        </p:nvSpPr>
+        <p:spPr/>
+        <p:txBody>
+          <a:bodyPr/>
+          <a:lstStyle/>
+          <a:p>
+            <a:fld id="{3F153B12-E1D6-4E19-9DEB-27DBA4C4F663}" type="slidenum">
+              <a:rPr lang="en-US" smtClean="0"/>
+              <a:t>4</a:t>
+            </a:fld>
+            <a:endParaRPr lang="en-US"/>
+          </a:p>
+        </p:txBody>
+      </p:sp>
+    </p:spTree>
+    <p:extLst>
+      <p:ext uri="{BB962C8B-B14F-4D97-AF65-F5344CB8AC3E}">
+        <p14:creationId xmlns:p14="http://schemas.microsoft.com/office/powerpoint/2010/main" val="792208602"/>
+      </p:ext>
+    </p:extLst>
+  </p:cSld>
+  <p:clrMapOvr>
+    <a:masterClrMapping/>
+  </p:clrMapOvr>
+</p:notes>
+</file>
+
 <file path=ppt/slideLayouts/slideLayout1.xml><?xml version="1.0" encoding="utf-8"?>
 <p:sldLayout xmlns:a="http://schemas.openxmlformats.org/drawingml/2006/main" xmlns:r="http://schemas.openxmlformats.org/officeDocument/2006/relationships" xmlns:p="http://schemas.openxmlformats.org/presentationml/2006/main" type="title" preserve="1">
   <p:cSld name="Title Slide">
@@ -697,7 +818,7 @@
           <a:p>
             <a:fld id="{FE7A37BD-E255-4085-8F04-2FCCDF2478AD}" type="datetimeFigureOut">
               <a:rPr lang="en-US" smtClean="0"/>
-              <a:t>2/19/2024</a:t>
+              <a:t>2/20/2024</a:t>
             </a:fld>
             <a:endParaRPr lang="en-US"/>
           </a:p>
@@ -895,7 +1016,7 @@
           <a:p>
             <a:fld id="{FE7A37BD-E255-4085-8F04-2FCCDF2478AD}" type="datetimeFigureOut">
               <a:rPr lang="en-US" smtClean="0"/>
-              <a:t>2/19/2024</a:t>
+              <a:t>2/20/2024</a:t>
             </a:fld>
             <a:endParaRPr lang="en-US"/>
           </a:p>
@@ -1103,7 +1224,7 @@
           <a:p>
             <a:fld id="{FE7A37BD-E255-4085-8F04-2FCCDF2478AD}" type="datetimeFigureOut">
               <a:rPr lang="en-US" smtClean="0"/>
-              <a:t>2/19/2024</a:t>
+              <a:t>2/20/2024</a:t>
             </a:fld>
             <a:endParaRPr lang="en-US"/>
           </a:p>
@@ -1301,7 +1422,7 @@
           <a:p>
             <a:fld id="{FE7A37BD-E255-4085-8F04-2FCCDF2478AD}" type="datetimeFigureOut">
               <a:rPr lang="en-US" smtClean="0"/>
-              <a:t>2/19/2024</a:t>
+              <a:t>2/20/2024</a:t>
             </a:fld>
             <a:endParaRPr lang="en-US"/>
           </a:p>
@@ -1576,7 +1697,7 @@
           <a:p>
             <a:fld id="{FE7A37BD-E255-4085-8F04-2FCCDF2478AD}" type="datetimeFigureOut">
               <a:rPr lang="en-US" smtClean="0"/>
-              <a:t>2/19/2024</a:t>
+              <a:t>2/20/2024</a:t>
             </a:fld>
             <a:endParaRPr lang="en-US"/>
           </a:p>
@@ -1841,7 +1962,7 @@
           <a:p>
             <a:fld id="{FE7A37BD-E255-4085-8F04-2FCCDF2478AD}" type="datetimeFigureOut">
               <a:rPr lang="en-US" smtClean="0"/>
-              <a:t>2/19/2024</a:t>
+              <a:t>2/20/2024</a:t>
             </a:fld>
             <a:endParaRPr lang="en-US"/>
           </a:p>
@@ -2253,7 +2374,7 @@
           <a:p>
             <a:fld id="{FE7A37BD-E255-4085-8F04-2FCCDF2478AD}" type="datetimeFigureOut">
               <a:rPr lang="en-US" smtClean="0"/>
-              <a:t>2/19/2024</a:t>
+              <a:t>2/20/2024</a:t>
             </a:fld>
             <a:endParaRPr lang="en-US"/>
           </a:p>
@@ -2394,7 +2515,7 @@
           <a:p>
             <a:fld id="{FE7A37BD-E255-4085-8F04-2FCCDF2478AD}" type="datetimeFigureOut">
               <a:rPr lang="en-US" smtClean="0"/>
-              <a:t>2/19/2024</a:t>
+              <a:t>2/20/2024</a:t>
             </a:fld>
             <a:endParaRPr lang="en-US"/>
           </a:p>
@@ -2507,7 +2628,7 @@
           <a:p>
             <a:fld id="{FE7A37BD-E255-4085-8F04-2FCCDF2478AD}" type="datetimeFigureOut">
               <a:rPr lang="en-US" smtClean="0"/>
-              <a:t>2/19/2024</a:t>
+              <a:t>2/20/2024</a:t>
             </a:fld>
             <a:endParaRPr lang="en-US"/>
           </a:p>
@@ -2818,7 +2939,7 @@
           <a:p>
             <a:fld id="{FE7A37BD-E255-4085-8F04-2FCCDF2478AD}" type="datetimeFigureOut">
               <a:rPr lang="en-US" smtClean="0"/>
-              <a:t>2/19/2024</a:t>
+              <a:t>2/20/2024</a:t>
             </a:fld>
             <a:endParaRPr lang="en-US"/>
           </a:p>
@@ -3106,7 +3227,7 @@
           <a:p>
             <a:fld id="{FE7A37BD-E255-4085-8F04-2FCCDF2478AD}" type="datetimeFigureOut">
               <a:rPr lang="en-US" smtClean="0"/>
-              <a:t>2/19/2024</a:t>
+              <a:t>2/20/2024</a:t>
             </a:fld>
             <a:endParaRPr lang="en-US"/>
           </a:p>
@@ -3347,7 +3468,7 @@
           <a:p>
             <a:fld id="{FE7A37BD-E255-4085-8F04-2FCCDF2478AD}" type="datetimeFigureOut">
               <a:rPr lang="en-US" smtClean="0"/>
-              <a:t>2/19/2024</a:t>
+              <a:t>2/20/2024</a:t>
             </a:fld>
             <a:endParaRPr lang="en-US"/>
           </a:p>
@@ -4694,7 +4815,7 @@
           <p:nvPr/>
         </p:nvSpPr>
         <p:spPr>
-          <a:xfrm rot="1532476">
+          <a:xfrm rot="1478598">
             <a:off x="5372273" y="4459092"/>
             <a:ext cx="2779928" cy="215444"/>
           </a:xfrm>
@@ -4844,58 +4965,6 @@
           </a:fontRef>
         </p:style>
       </p:cxnSp>
-      <p:sp>
-        <p:nvSpPr>
-          <p:cNvPr id="66" name="Rectangle 65">
-            <a:extLst>
-              <a:ext uri="{FF2B5EF4-FFF2-40B4-BE49-F238E27FC236}">
-                <a16:creationId xmlns:a16="http://schemas.microsoft.com/office/drawing/2014/main" id="{15188F1E-7053-9111-43C0-E682D653B544}"/>
-              </a:ext>
-            </a:extLst>
-          </p:cNvPr>
-          <p:cNvSpPr/>
-          <p:nvPr/>
-        </p:nvSpPr>
-        <p:spPr>
-          <a:xfrm>
-            <a:off x="9400213" y="1463738"/>
-            <a:ext cx="982910" cy="789211"/>
-          </a:xfrm>
-          <a:prstGeom prst="rect">
-            <a:avLst/>
-          </a:prstGeom>
-          <a:solidFill>
-            <a:schemeClr val="accent4"/>
-          </a:solidFill>
-        </p:spPr>
-        <p:style>
-          <a:lnRef idx="2">
-            <a:schemeClr val="accent1">
-              <a:shade val="15000"/>
-            </a:schemeClr>
-          </a:lnRef>
-          <a:fillRef idx="1">
-            <a:schemeClr val="accent1"/>
-          </a:fillRef>
-          <a:effectRef idx="0">
-            <a:schemeClr val="accent1"/>
-          </a:effectRef>
-          <a:fontRef idx="minor">
-            <a:schemeClr val="lt1"/>
-          </a:fontRef>
-        </p:style>
-        <p:txBody>
-          <a:bodyPr rtlCol="0" anchor="ctr"/>
-          <a:lstStyle/>
-          <a:p>
-            <a:pPr algn="ctr"/>
-            <a:r>
-              <a:rPr lang="en-US" dirty="0"/>
-              <a:t>Volume</a:t>
-            </a:r>
-          </a:p>
-        </p:txBody>
-      </p:sp>
     </p:spTree>
     <p:extLst>
       <p:ext uri="{BB962C8B-B14F-4D97-AF65-F5344CB8AC3E}">
@@ -4932,10 +5001,1305 @@
           <a:chExt cx="0" cy="0"/>
         </a:xfrm>
       </p:grpSpPr>
+      <p:pic>
+        <p:nvPicPr>
+          <p:cNvPr id="3" name="Picture 2">
+            <a:extLst>
+              <a:ext uri="{FF2B5EF4-FFF2-40B4-BE49-F238E27FC236}">
+                <a16:creationId xmlns:a16="http://schemas.microsoft.com/office/drawing/2014/main" id="{0CFCFC27-C04B-F1C4-3753-05BD9532F220}"/>
+              </a:ext>
+            </a:extLst>
+          </p:cNvPr>
+          <p:cNvPicPr>
+            <a:picLocks noChangeAspect="1"/>
+          </p:cNvPicPr>
+          <p:nvPr/>
+        </p:nvPicPr>
+        <p:blipFill>
+          <a:blip r:embed="rId2"/>
+          <a:stretch>
+            <a:fillRect/>
+          </a:stretch>
+        </p:blipFill>
+        <p:spPr>
+          <a:xfrm>
+            <a:off x="0" y="1493145"/>
+            <a:ext cx="12192000" cy="3871709"/>
+          </a:xfrm>
+          <a:prstGeom prst="rect">
+            <a:avLst/>
+          </a:prstGeom>
+        </p:spPr>
+      </p:pic>
+      <p:sp>
+        <p:nvSpPr>
+          <p:cNvPr id="4" name="TextBox 3">
+            <a:extLst>
+              <a:ext uri="{FF2B5EF4-FFF2-40B4-BE49-F238E27FC236}">
+                <a16:creationId xmlns:a16="http://schemas.microsoft.com/office/drawing/2014/main" id="{83FF9C54-A9EE-1540-430A-403DCBFC11C8}"/>
+              </a:ext>
+            </a:extLst>
+          </p:cNvPr>
+          <p:cNvSpPr txBox="1"/>
+          <p:nvPr/>
+        </p:nvSpPr>
+        <p:spPr>
+          <a:xfrm>
+            <a:off x="383177" y="496389"/>
+            <a:ext cx="1249766" cy="369332"/>
+          </a:xfrm>
+          <a:prstGeom prst="rect">
+            <a:avLst/>
+          </a:prstGeom>
+          <a:noFill/>
+        </p:spPr>
+        <p:txBody>
+          <a:bodyPr wrap="none" rtlCol="0">
+            <a:spAutoFit/>
+          </a:bodyPr>
+          <a:lstStyle/>
+          <a:p>
+            <a:r>
+              <a:rPr lang="en-US" altLang="zh-CN" dirty="0"/>
+              <a:t>Master API</a:t>
+            </a:r>
+            <a:endParaRPr lang="en-US" dirty="0"/>
+          </a:p>
+        </p:txBody>
+      </p:sp>
     </p:spTree>
     <p:extLst>
       <p:ext uri="{BB962C8B-B14F-4D97-AF65-F5344CB8AC3E}">
         <p14:creationId xmlns:p14="http://schemas.microsoft.com/office/powerpoint/2010/main" val="1534689862"/>
+      </p:ext>
+    </p:extLst>
+  </p:cSld>
+  <p:clrMapOvr>
+    <a:masterClrMapping/>
+  </p:clrMapOvr>
+</p:sld>
+</file>
+
+<file path=ppt/slides/slide3.xml><?xml version="1.0" encoding="utf-8"?>
+<p:sld xmlns:a="http://schemas.openxmlformats.org/drawingml/2006/main" xmlns:r="http://schemas.openxmlformats.org/officeDocument/2006/relationships" xmlns:p="http://schemas.openxmlformats.org/presentationml/2006/main">
+  <p:cSld>
+    <p:spTree>
+      <p:nvGrpSpPr>
+        <p:cNvPr id="1" name=""/>
+        <p:cNvGrpSpPr/>
+        <p:nvPr/>
+      </p:nvGrpSpPr>
+      <p:grpSpPr>
+        <a:xfrm>
+          <a:off x="0" y="0"/>
+          <a:ext cx="0" cy="0"/>
+          <a:chOff x="0" y="0"/>
+          <a:chExt cx="0" cy="0"/>
+        </a:xfrm>
+      </p:grpSpPr>
+      <p:pic>
+        <p:nvPicPr>
+          <p:cNvPr id="5" name="Picture 4">
+            <a:extLst>
+              <a:ext uri="{FF2B5EF4-FFF2-40B4-BE49-F238E27FC236}">
+                <a16:creationId xmlns:a16="http://schemas.microsoft.com/office/drawing/2014/main" id="{DEE97FB6-2D0B-D4C1-2411-9C87A417058A}"/>
+              </a:ext>
+            </a:extLst>
+          </p:cNvPr>
+          <p:cNvPicPr>
+            <a:picLocks noChangeAspect="1"/>
+          </p:cNvPicPr>
+          <p:nvPr/>
+        </p:nvPicPr>
+        <p:blipFill>
+          <a:blip r:embed="rId2"/>
+          <a:stretch>
+            <a:fillRect/>
+          </a:stretch>
+        </p:blipFill>
+        <p:spPr>
+          <a:xfrm>
+            <a:off x="0" y="2064670"/>
+            <a:ext cx="12192000" cy="2728660"/>
+          </a:xfrm>
+          <a:prstGeom prst="rect">
+            <a:avLst/>
+          </a:prstGeom>
+        </p:spPr>
+      </p:pic>
+      <p:sp>
+        <p:nvSpPr>
+          <p:cNvPr id="6" name="TextBox 5">
+            <a:extLst>
+              <a:ext uri="{FF2B5EF4-FFF2-40B4-BE49-F238E27FC236}">
+                <a16:creationId xmlns:a16="http://schemas.microsoft.com/office/drawing/2014/main" id="{D2B7CB2F-69F9-1F4F-C6C9-1D612AE3DB95}"/>
+              </a:ext>
+            </a:extLst>
+          </p:cNvPr>
+          <p:cNvSpPr txBox="1"/>
+          <p:nvPr/>
+        </p:nvSpPr>
+        <p:spPr>
+          <a:xfrm>
+            <a:off x="383177" y="496389"/>
+            <a:ext cx="1268232" cy="369332"/>
+          </a:xfrm>
+          <a:prstGeom prst="rect">
+            <a:avLst/>
+          </a:prstGeom>
+          <a:noFill/>
+        </p:spPr>
+        <p:txBody>
+          <a:bodyPr wrap="none" rtlCol="0">
+            <a:spAutoFit/>
+          </a:bodyPr>
+          <a:lstStyle/>
+          <a:p>
+            <a:r>
+              <a:rPr lang="en-US" altLang="zh-CN" dirty="0"/>
+              <a:t>Worker API</a:t>
+            </a:r>
+            <a:endParaRPr lang="en-US" dirty="0"/>
+          </a:p>
+        </p:txBody>
+      </p:sp>
+    </p:spTree>
+    <p:extLst>
+      <p:ext uri="{BB962C8B-B14F-4D97-AF65-F5344CB8AC3E}">
+        <p14:creationId xmlns:p14="http://schemas.microsoft.com/office/powerpoint/2010/main" val="469267434"/>
+      </p:ext>
+    </p:extLst>
+  </p:cSld>
+  <p:clrMapOvr>
+    <a:masterClrMapping/>
+  </p:clrMapOvr>
+</p:sld>
+</file>
+
+<file path=ppt/slides/slide4.xml><?xml version="1.0" encoding="utf-8"?>
+<p:sld xmlns:a="http://schemas.openxmlformats.org/drawingml/2006/main" xmlns:r="http://schemas.openxmlformats.org/officeDocument/2006/relationships" xmlns:p="http://schemas.openxmlformats.org/presentationml/2006/main">
+  <p:cSld>
+    <p:spTree>
+      <p:nvGrpSpPr>
+        <p:cNvPr id="1" name="">
+          <a:extLst>
+            <a:ext uri="{FF2B5EF4-FFF2-40B4-BE49-F238E27FC236}">
+              <a16:creationId xmlns:a16="http://schemas.microsoft.com/office/drawing/2014/main" id="{62C8F67B-C5EC-D3DF-8CB7-891460079969}"/>
+            </a:ext>
+          </a:extLst>
+        </p:cNvPr>
+        <p:cNvGrpSpPr/>
+        <p:nvPr/>
+      </p:nvGrpSpPr>
+      <p:grpSpPr>
+        <a:xfrm>
+          <a:off x="0" y="0"/>
+          <a:ext cx="0" cy="0"/>
+          <a:chOff x="0" y="0"/>
+          <a:chExt cx="0" cy="0"/>
+        </a:xfrm>
+      </p:grpSpPr>
+      <p:sp>
+        <p:nvSpPr>
+          <p:cNvPr id="4" name="Rectangle 3">
+            <a:extLst>
+              <a:ext uri="{FF2B5EF4-FFF2-40B4-BE49-F238E27FC236}">
+                <a16:creationId xmlns:a16="http://schemas.microsoft.com/office/drawing/2014/main" id="{AF4041E2-DC2E-A79F-ABD3-EF98CD8309CB}"/>
+              </a:ext>
+            </a:extLst>
+          </p:cNvPr>
+          <p:cNvSpPr/>
+          <p:nvPr/>
+        </p:nvSpPr>
+        <p:spPr>
+          <a:xfrm>
+            <a:off x="1572936" y="499145"/>
+            <a:ext cx="10301681" cy="6115574"/>
+          </a:xfrm>
+          <a:prstGeom prst="rect">
+            <a:avLst/>
+          </a:prstGeom>
+          <a:noFill/>
+        </p:spPr>
+        <p:style>
+          <a:lnRef idx="2">
+            <a:schemeClr val="accent1">
+              <a:shade val="15000"/>
+            </a:schemeClr>
+          </a:lnRef>
+          <a:fillRef idx="1">
+            <a:schemeClr val="accent1"/>
+          </a:fillRef>
+          <a:effectRef idx="0">
+            <a:schemeClr val="accent1"/>
+          </a:effectRef>
+          <a:fontRef idx="minor">
+            <a:schemeClr val="lt1"/>
+          </a:fontRef>
+        </p:style>
+        <p:txBody>
+          <a:bodyPr rtlCol="0" anchor="ctr"/>
+          <a:lstStyle/>
+          <a:p>
+            <a:pPr algn="ctr"/>
+            <a:endParaRPr lang="en-US"/>
+          </a:p>
+        </p:txBody>
+      </p:sp>
+      <p:sp>
+        <p:nvSpPr>
+          <p:cNvPr id="5" name="Rectangle 4">
+            <a:extLst>
+              <a:ext uri="{FF2B5EF4-FFF2-40B4-BE49-F238E27FC236}">
+                <a16:creationId xmlns:a16="http://schemas.microsoft.com/office/drawing/2014/main" id="{CAD3388D-2CD4-32A8-D371-8AC52748A93B}"/>
+              </a:ext>
+            </a:extLst>
+          </p:cNvPr>
+          <p:cNvSpPr/>
+          <p:nvPr/>
+        </p:nvSpPr>
+        <p:spPr>
+          <a:xfrm>
+            <a:off x="1644242" y="2952924"/>
+            <a:ext cx="541090" cy="1145097"/>
+          </a:xfrm>
+          <a:prstGeom prst="rect">
+            <a:avLst/>
+          </a:prstGeom>
+        </p:spPr>
+        <p:style>
+          <a:lnRef idx="2">
+            <a:schemeClr val="accent2">
+              <a:shade val="15000"/>
+            </a:schemeClr>
+          </a:lnRef>
+          <a:fillRef idx="1">
+            <a:schemeClr val="accent2"/>
+          </a:fillRef>
+          <a:effectRef idx="0">
+            <a:schemeClr val="accent2"/>
+          </a:effectRef>
+          <a:fontRef idx="minor">
+            <a:schemeClr val="lt1"/>
+          </a:fontRef>
+        </p:style>
+        <p:txBody>
+          <a:bodyPr rtlCol="0" anchor="ctr"/>
+          <a:lstStyle/>
+          <a:p>
+            <a:pPr algn="ctr"/>
+            <a:r>
+              <a:rPr lang="en-US" altLang="zh-CN" sz="800" dirty="0"/>
+              <a:t>Service</a:t>
+            </a:r>
+          </a:p>
+          <a:p>
+            <a:pPr algn="ctr"/>
+            <a:endParaRPr lang="en-US" sz="800" dirty="0"/>
+          </a:p>
+          <a:p>
+            <a:pPr algn="ctr"/>
+            <a:r>
+              <a:rPr lang="en-US" sz="800" dirty="0"/>
+              <a:t>Type: </a:t>
+            </a:r>
+            <a:r>
+              <a:rPr lang="en-US" sz="800" dirty="0" err="1"/>
+              <a:t>LoadBalancer</a:t>
+            </a:r>
+            <a:endParaRPr lang="en-US" sz="800" dirty="0"/>
+          </a:p>
+        </p:txBody>
+      </p:sp>
+      <p:sp>
+        <p:nvSpPr>
+          <p:cNvPr id="6" name="Rectangle 5">
+            <a:extLst>
+              <a:ext uri="{FF2B5EF4-FFF2-40B4-BE49-F238E27FC236}">
+                <a16:creationId xmlns:a16="http://schemas.microsoft.com/office/drawing/2014/main" id="{6C7AE981-3160-5B78-357D-27178245E774}"/>
+              </a:ext>
+            </a:extLst>
+          </p:cNvPr>
+          <p:cNvSpPr/>
+          <p:nvPr/>
+        </p:nvSpPr>
+        <p:spPr>
+          <a:xfrm>
+            <a:off x="2185332" y="2952924"/>
+            <a:ext cx="604007" cy="1145097"/>
+          </a:xfrm>
+          <a:prstGeom prst="rect">
+            <a:avLst/>
+          </a:prstGeom>
+        </p:spPr>
+        <p:style>
+          <a:lnRef idx="2">
+            <a:schemeClr val="accent3">
+              <a:shade val="15000"/>
+            </a:schemeClr>
+          </a:lnRef>
+          <a:fillRef idx="1">
+            <a:schemeClr val="accent3"/>
+          </a:fillRef>
+          <a:effectRef idx="0">
+            <a:schemeClr val="accent3"/>
+          </a:effectRef>
+          <a:fontRef idx="minor">
+            <a:schemeClr val="lt1"/>
+          </a:fontRef>
+        </p:style>
+        <p:txBody>
+          <a:bodyPr rtlCol="0" anchor="ctr"/>
+          <a:lstStyle/>
+          <a:p>
+            <a:pPr algn="ctr"/>
+            <a:r>
+              <a:rPr lang="en-US" sz="800" dirty="0"/>
+              <a:t>deployment</a:t>
+            </a:r>
+          </a:p>
+        </p:txBody>
+      </p:sp>
+      <p:cxnSp>
+        <p:nvCxnSpPr>
+          <p:cNvPr id="9" name="Straight Arrow Connector 8">
+            <a:extLst>
+              <a:ext uri="{FF2B5EF4-FFF2-40B4-BE49-F238E27FC236}">
+                <a16:creationId xmlns:a16="http://schemas.microsoft.com/office/drawing/2014/main" id="{5F7DF41D-9D11-D261-0C28-C045936D8BEE}"/>
+              </a:ext>
+            </a:extLst>
+          </p:cNvPr>
+          <p:cNvCxnSpPr/>
+          <p:nvPr/>
+        </p:nvCxnSpPr>
+        <p:spPr>
+          <a:xfrm flipH="1">
+            <a:off x="583035" y="3429000"/>
+            <a:ext cx="1061207" cy="0"/>
+          </a:xfrm>
+          <a:prstGeom prst="straightConnector1">
+            <a:avLst/>
+          </a:prstGeom>
+          <a:ln>
+            <a:tailEnd type="triangle"/>
+          </a:ln>
+        </p:spPr>
+        <p:style>
+          <a:lnRef idx="2">
+            <a:schemeClr val="accent1"/>
+          </a:lnRef>
+          <a:fillRef idx="0">
+            <a:schemeClr val="accent1"/>
+          </a:fillRef>
+          <a:effectRef idx="1">
+            <a:schemeClr val="accent1"/>
+          </a:effectRef>
+          <a:fontRef idx="minor">
+            <a:schemeClr val="tx1"/>
+          </a:fontRef>
+        </p:style>
+      </p:cxnSp>
+      <p:sp>
+        <p:nvSpPr>
+          <p:cNvPr id="10" name="TextBox 9">
+            <a:extLst>
+              <a:ext uri="{FF2B5EF4-FFF2-40B4-BE49-F238E27FC236}">
+                <a16:creationId xmlns:a16="http://schemas.microsoft.com/office/drawing/2014/main" id="{4536023E-CD4D-D91D-618D-614E5A301113}"/>
+              </a:ext>
+            </a:extLst>
+          </p:cNvPr>
+          <p:cNvSpPr txBox="1"/>
+          <p:nvPr/>
+        </p:nvSpPr>
+        <p:spPr>
+          <a:xfrm>
+            <a:off x="1606492" y="6401086"/>
+            <a:ext cx="678391" cy="215444"/>
+          </a:xfrm>
+          <a:prstGeom prst="rect">
+            <a:avLst/>
+          </a:prstGeom>
+          <a:noFill/>
+        </p:spPr>
+        <p:txBody>
+          <a:bodyPr wrap="none" rtlCol="0">
+            <a:spAutoFit/>
+          </a:bodyPr>
+          <a:lstStyle/>
+          <a:p>
+            <a:r>
+              <a:rPr lang="en-US" sz="800" dirty="0"/>
+              <a:t>K8s cluster</a:t>
+            </a:r>
+          </a:p>
+        </p:txBody>
+      </p:sp>
+      <p:sp>
+        <p:nvSpPr>
+          <p:cNvPr id="11" name="TextBox 10">
+            <a:extLst>
+              <a:ext uri="{FF2B5EF4-FFF2-40B4-BE49-F238E27FC236}">
+                <a16:creationId xmlns:a16="http://schemas.microsoft.com/office/drawing/2014/main" id="{92508B70-B878-D7DC-B528-420EF4CD74A5}"/>
+              </a:ext>
+            </a:extLst>
+          </p:cNvPr>
+          <p:cNvSpPr txBox="1"/>
+          <p:nvPr/>
+        </p:nvSpPr>
+        <p:spPr>
+          <a:xfrm>
+            <a:off x="786465" y="3254928"/>
+            <a:ext cx="654346" cy="215444"/>
+          </a:xfrm>
+          <a:prstGeom prst="rect">
+            <a:avLst/>
+          </a:prstGeom>
+          <a:noFill/>
+        </p:spPr>
+        <p:txBody>
+          <a:bodyPr wrap="none" rtlCol="0">
+            <a:spAutoFit/>
+          </a:bodyPr>
+          <a:lstStyle/>
+          <a:p>
+            <a:r>
+              <a:rPr lang="en-US" sz="800" dirty="0"/>
+              <a:t>External IP</a:t>
+            </a:r>
+          </a:p>
+        </p:txBody>
+      </p:sp>
+      <p:sp>
+        <p:nvSpPr>
+          <p:cNvPr id="12" name="Rectangle 11">
+            <a:extLst>
+              <a:ext uri="{FF2B5EF4-FFF2-40B4-BE49-F238E27FC236}">
+                <a16:creationId xmlns:a16="http://schemas.microsoft.com/office/drawing/2014/main" id="{08BAF552-DA92-EB80-842A-A13C9063250A}"/>
+              </a:ext>
+            </a:extLst>
+          </p:cNvPr>
+          <p:cNvSpPr/>
+          <p:nvPr/>
+        </p:nvSpPr>
+        <p:spPr>
+          <a:xfrm>
+            <a:off x="3463590" y="2941607"/>
+            <a:ext cx="844114" cy="1145097"/>
+          </a:xfrm>
+          <a:prstGeom prst="rect">
+            <a:avLst/>
+          </a:prstGeom>
+        </p:spPr>
+        <p:style>
+          <a:lnRef idx="2">
+            <a:schemeClr val="accent1">
+              <a:shade val="15000"/>
+            </a:schemeClr>
+          </a:lnRef>
+          <a:fillRef idx="1">
+            <a:schemeClr val="accent1"/>
+          </a:fillRef>
+          <a:effectRef idx="0">
+            <a:schemeClr val="accent1"/>
+          </a:effectRef>
+          <a:fontRef idx="minor">
+            <a:schemeClr val="lt1"/>
+          </a:fontRef>
+        </p:style>
+        <p:txBody>
+          <a:bodyPr rtlCol="0" anchor="ctr"/>
+          <a:lstStyle/>
+          <a:p>
+            <a:pPr algn="ctr"/>
+            <a:r>
+              <a:rPr lang="en-US" sz="800" dirty="0" err="1"/>
+              <a:t>MainController</a:t>
+            </a:r>
+            <a:r>
+              <a:rPr lang="en-US" sz="800" dirty="0"/>
+              <a:t> pod</a:t>
+            </a:r>
+          </a:p>
+        </p:txBody>
+      </p:sp>
+      <p:cxnSp>
+        <p:nvCxnSpPr>
+          <p:cNvPr id="14" name="Straight Arrow Connector 13">
+            <a:extLst>
+              <a:ext uri="{FF2B5EF4-FFF2-40B4-BE49-F238E27FC236}">
+                <a16:creationId xmlns:a16="http://schemas.microsoft.com/office/drawing/2014/main" id="{D94C3219-9F11-06E9-1A8E-AF1655C2015A}"/>
+              </a:ext>
+            </a:extLst>
+          </p:cNvPr>
+          <p:cNvCxnSpPr>
+            <a:cxnSpLocks/>
+            <a:stCxn id="6" idx="3"/>
+            <a:endCxn id="12" idx="1"/>
+          </p:cNvCxnSpPr>
+          <p:nvPr/>
+        </p:nvCxnSpPr>
+        <p:spPr>
+          <a:xfrm flipV="1">
+            <a:off x="2789339" y="3514156"/>
+            <a:ext cx="674251" cy="11317"/>
+          </a:xfrm>
+          <a:prstGeom prst="straightConnector1">
+            <a:avLst/>
+          </a:prstGeom>
+          <a:ln>
+            <a:tailEnd type="triangle"/>
+          </a:ln>
+        </p:spPr>
+        <p:style>
+          <a:lnRef idx="2">
+            <a:schemeClr val="accent1"/>
+          </a:lnRef>
+          <a:fillRef idx="0">
+            <a:schemeClr val="accent1"/>
+          </a:fillRef>
+          <a:effectRef idx="1">
+            <a:schemeClr val="accent1"/>
+          </a:effectRef>
+          <a:fontRef idx="minor">
+            <a:schemeClr val="tx1"/>
+          </a:fontRef>
+        </p:style>
+      </p:cxnSp>
+      <p:sp>
+        <p:nvSpPr>
+          <p:cNvPr id="15" name="TextBox 14">
+            <a:extLst>
+              <a:ext uri="{FF2B5EF4-FFF2-40B4-BE49-F238E27FC236}">
+                <a16:creationId xmlns:a16="http://schemas.microsoft.com/office/drawing/2014/main" id="{68D68A54-E34C-42A4-583A-E30A8A426058}"/>
+              </a:ext>
+            </a:extLst>
+          </p:cNvPr>
+          <p:cNvSpPr txBox="1"/>
+          <p:nvPr/>
+        </p:nvSpPr>
+        <p:spPr>
+          <a:xfrm>
+            <a:off x="2766961" y="3310028"/>
+            <a:ext cx="720069" cy="215444"/>
+          </a:xfrm>
+          <a:prstGeom prst="rect">
+            <a:avLst/>
+          </a:prstGeom>
+          <a:noFill/>
+        </p:spPr>
+        <p:txBody>
+          <a:bodyPr wrap="none" rtlCol="0">
+            <a:spAutoFit/>
+          </a:bodyPr>
+          <a:lstStyle/>
+          <a:p>
+            <a:r>
+              <a:rPr lang="en-US" sz="800" dirty="0"/>
+              <a:t>Replicas = 1</a:t>
+            </a:r>
+          </a:p>
+        </p:txBody>
+      </p:sp>
+      <p:sp>
+        <p:nvSpPr>
+          <p:cNvPr id="16" name="Rectangle 15">
+            <a:extLst>
+              <a:ext uri="{FF2B5EF4-FFF2-40B4-BE49-F238E27FC236}">
+                <a16:creationId xmlns:a16="http://schemas.microsoft.com/office/drawing/2014/main" id="{3601F17C-F6C9-EE6B-071B-C51B62196709}"/>
+              </a:ext>
+            </a:extLst>
+          </p:cNvPr>
+          <p:cNvSpPr/>
+          <p:nvPr/>
+        </p:nvSpPr>
+        <p:spPr>
+          <a:xfrm>
+            <a:off x="9814420" y="3703293"/>
+            <a:ext cx="1466675" cy="376107"/>
+          </a:xfrm>
+          <a:prstGeom prst="rect">
+            <a:avLst/>
+          </a:prstGeom>
+        </p:spPr>
+        <p:style>
+          <a:lnRef idx="2">
+            <a:schemeClr val="accent2">
+              <a:shade val="15000"/>
+            </a:schemeClr>
+          </a:lnRef>
+          <a:fillRef idx="1">
+            <a:schemeClr val="accent2"/>
+          </a:fillRef>
+          <a:effectRef idx="0">
+            <a:schemeClr val="accent2"/>
+          </a:effectRef>
+          <a:fontRef idx="minor">
+            <a:schemeClr val="lt1"/>
+          </a:fontRef>
+        </p:style>
+        <p:txBody>
+          <a:bodyPr rtlCol="0" anchor="ctr"/>
+          <a:lstStyle/>
+          <a:p>
+            <a:pPr algn="ctr"/>
+            <a:r>
+              <a:rPr lang="en-US" altLang="zh-CN" sz="800" dirty="0"/>
+              <a:t>Headless service</a:t>
+            </a:r>
+            <a:endParaRPr lang="en-US" sz="800" dirty="0"/>
+          </a:p>
+        </p:txBody>
+      </p:sp>
+      <p:sp>
+        <p:nvSpPr>
+          <p:cNvPr id="17" name="Rectangle 16">
+            <a:extLst>
+              <a:ext uri="{FF2B5EF4-FFF2-40B4-BE49-F238E27FC236}">
+                <a16:creationId xmlns:a16="http://schemas.microsoft.com/office/drawing/2014/main" id="{4FD064DC-B8D9-0458-B2CC-5EC1409E16F8}"/>
+              </a:ext>
+            </a:extLst>
+          </p:cNvPr>
+          <p:cNvSpPr/>
+          <p:nvPr/>
+        </p:nvSpPr>
+        <p:spPr>
+          <a:xfrm>
+            <a:off x="8099571" y="1236613"/>
+            <a:ext cx="886436" cy="1145097"/>
+          </a:xfrm>
+          <a:prstGeom prst="rect">
+            <a:avLst/>
+          </a:prstGeom>
+        </p:spPr>
+        <p:style>
+          <a:lnRef idx="2">
+            <a:schemeClr val="accent1">
+              <a:shade val="15000"/>
+            </a:schemeClr>
+          </a:lnRef>
+          <a:fillRef idx="1">
+            <a:schemeClr val="accent1"/>
+          </a:fillRef>
+          <a:effectRef idx="0">
+            <a:schemeClr val="accent1"/>
+          </a:effectRef>
+          <a:fontRef idx="minor">
+            <a:schemeClr val="lt1"/>
+          </a:fontRef>
+        </p:style>
+        <p:txBody>
+          <a:bodyPr rtlCol="0" anchor="ctr"/>
+          <a:lstStyle/>
+          <a:p>
+            <a:pPr algn="ctr"/>
+            <a:r>
+              <a:rPr lang="en-US" sz="800" dirty="0"/>
+              <a:t>Experiment-001 pod</a:t>
+            </a:r>
+          </a:p>
+        </p:txBody>
+      </p:sp>
+      <p:sp>
+        <p:nvSpPr>
+          <p:cNvPr id="18" name="Rectangle 17">
+            <a:extLst>
+              <a:ext uri="{FF2B5EF4-FFF2-40B4-BE49-F238E27FC236}">
+                <a16:creationId xmlns:a16="http://schemas.microsoft.com/office/drawing/2014/main" id="{023583AA-B5D6-D27D-8541-FDDABC596241}"/>
+              </a:ext>
+            </a:extLst>
+          </p:cNvPr>
+          <p:cNvSpPr/>
+          <p:nvPr/>
+        </p:nvSpPr>
+        <p:spPr>
+          <a:xfrm>
+            <a:off x="8162488" y="2966653"/>
+            <a:ext cx="915798" cy="1145097"/>
+          </a:xfrm>
+          <a:prstGeom prst="rect">
+            <a:avLst/>
+          </a:prstGeom>
+        </p:spPr>
+        <p:style>
+          <a:lnRef idx="2">
+            <a:schemeClr val="accent1">
+              <a:shade val="15000"/>
+            </a:schemeClr>
+          </a:lnRef>
+          <a:fillRef idx="1">
+            <a:schemeClr val="accent1"/>
+          </a:fillRef>
+          <a:effectRef idx="0">
+            <a:schemeClr val="accent1"/>
+          </a:effectRef>
+          <a:fontRef idx="minor">
+            <a:schemeClr val="lt1"/>
+          </a:fontRef>
+        </p:style>
+        <p:txBody>
+          <a:bodyPr rtlCol="0" anchor="ctr"/>
+          <a:lstStyle/>
+          <a:p>
+            <a:pPr algn="ctr"/>
+            <a:r>
+              <a:rPr lang="en-US" sz="800" dirty="0"/>
+              <a:t>Experiment-003 pod</a:t>
+            </a:r>
+          </a:p>
+          <a:p>
+            <a:pPr algn="ctr"/>
+            <a:endParaRPr lang="en-US" sz="800" dirty="0"/>
+          </a:p>
+        </p:txBody>
+      </p:sp>
+      <p:sp>
+        <p:nvSpPr>
+          <p:cNvPr id="19" name="Rectangle 18">
+            <a:extLst>
+              <a:ext uri="{FF2B5EF4-FFF2-40B4-BE49-F238E27FC236}">
+                <a16:creationId xmlns:a16="http://schemas.microsoft.com/office/drawing/2014/main" id="{15148327-5027-F3D8-D44B-C7FAFEA202EE}"/>
+              </a:ext>
+            </a:extLst>
+          </p:cNvPr>
+          <p:cNvSpPr/>
+          <p:nvPr/>
+        </p:nvSpPr>
+        <p:spPr>
+          <a:xfrm>
+            <a:off x="8162488" y="4769142"/>
+            <a:ext cx="882242" cy="1145097"/>
+          </a:xfrm>
+          <a:prstGeom prst="rect">
+            <a:avLst/>
+          </a:prstGeom>
+        </p:spPr>
+        <p:style>
+          <a:lnRef idx="2">
+            <a:schemeClr val="accent1">
+              <a:shade val="15000"/>
+            </a:schemeClr>
+          </a:lnRef>
+          <a:fillRef idx="1">
+            <a:schemeClr val="accent1"/>
+          </a:fillRef>
+          <a:effectRef idx="0">
+            <a:schemeClr val="accent1"/>
+          </a:effectRef>
+          <a:fontRef idx="minor">
+            <a:schemeClr val="lt1"/>
+          </a:fontRef>
+        </p:style>
+        <p:txBody>
+          <a:bodyPr rtlCol="0" anchor="ctr"/>
+          <a:lstStyle/>
+          <a:p>
+            <a:pPr algn="ctr"/>
+            <a:r>
+              <a:rPr lang="en-US" sz="800" dirty="0"/>
+              <a:t>Experiment-003 pod</a:t>
+            </a:r>
+          </a:p>
+          <a:p>
+            <a:pPr algn="ctr"/>
+            <a:endParaRPr lang="en-US" sz="800" dirty="0"/>
+          </a:p>
+        </p:txBody>
+      </p:sp>
+      <p:sp>
+        <p:nvSpPr>
+          <p:cNvPr id="20" name="Rectangle 19">
+            <a:extLst>
+              <a:ext uri="{FF2B5EF4-FFF2-40B4-BE49-F238E27FC236}">
+                <a16:creationId xmlns:a16="http://schemas.microsoft.com/office/drawing/2014/main" id="{863C9DFF-0A19-6E30-83C7-6F294098100D}"/>
+              </a:ext>
+            </a:extLst>
+          </p:cNvPr>
+          <p:cNvSpPr/>
+          <p:nvPr/>
+        </p:nvSpPr>
+        <p:spPr>
+          <a:xfrm>
+            <a:off x="1606492" y="620785"/>
+            <a:ext cx="9799043" cy="5738070"/>
+          </a:xfrm>
+          <a:prstGeom prst="rect">
+            <a:avLst/>
+          </a:prstGeom>
+          <a:noFill/>
+        </p:spPr>
+        <p:style>
+          <a:lnRef idx="2">
+            <a:schemeClr val="accent1">
+              <a:shade val="15000"/>
+            </a:schemeClr>
+          </a:lnRef>
+          <a:fillRef idx="1">
+            <a:schemeClr val="accent1"/>
+          </a:fillRef>
+          <a:effectRef idx="0">
+            <a:schemeClr val="accent1"/>
+          </a:effectRef>
+          <a:fontRef idx="minor">
+            <a:schemeClr val="lt1"/>
+          </a:fontRef>
+        </p:style>
+        <p:txBody>
+          <a:bodyPr rtlCol="0" anchor="ctr"/>
+          <a:lstStyle/>
+          <a:p>
+            <a:pPr algn="ctr"/>
+            <a:endParaRPr lang="en-US"/>
+          </a:p>
+        </p:txBody>
+      </p:sp>
+      <p:sp>
+        <p:nvSpPr>
+          <p:cNvPr id="21" name="TextBox 20">
+            <a:extLst>
+              <a:ext uri="{FF2B5EF4-FFF2-40B4-BE49-F238E27FC236}">
+                <a16:creationId xmlns:a16="http://schemas.microsoft.com/office/drawing/2014/main" id="{A72E7D0C-1183-C2E2-CFC8-7DBABF16058C}"/>
+              </a:ext>
+            </a:extLst>
+          </p:cNvPr>
+          <p:cNvSpPr txBox="1"/>
+          <p:nvPr/>
+        </p:nvSpPr>
+        <p:spPr>
+          <a:xfrm>
+            <a:off x="1606492" y="6143411"/>
+            <a:ext cx="1090363" cy="215444"/>
+          </a:xfrm>
+          <a:prstGeom prst="rect">
+            <a:avLst/>
+          </a:prstGeom>
+          <a:noFill/>
+        </p:spPr>
+        <p:txBody>
+          <a:bodyPr wrap="none" rtlCol="0">
+            <a:spAutoFit/>
+          </a:bodyPr>
+          <a:lstStyle/>
+          <a:p>
+            <a:r>
+              <a:rPr lang="en-US" sz="800" dirty="0"/>
+              <a:t>Namespace: default</a:t>
+            </a:r>
+          </a:p>
+        </p:txBody>
+      </p:sp>
+      <p:cxnSp>
+        <p:nvCxnSpPr>
+          <p:cNvPr id="23" name="Straight Arrow Connector 22">
+            <a:extLst>
+              <a:ext uri="{FF2B5EF4-FFF2-40B4-BE49-F238E27FC236}">
+                <a16:creationId xmlns:a16="http://schemas.microsoft.com/office/drawing/2014/main" id="{3CED1792-EE98-27AE-358D-0BD7FB7FC6C0}"/>
+              </a:ext>
+            </a:extLst>
+          </p:cNvPr>
+          <p:cNvCxnSpPr>
+            <a:cxnSpLocks/>
+            <a:stCxn id="12" idx="3"/>
+            <a:endCxn id="17" idx="1"/>
+          </p:cNvCxnSpPr>
+          <p:nvPr/>
+        </p:nvCxnSpPr>
+        <p:spPr>
+          <a:xfrm flipV="1">
+            <a:off x="4307704" y="1809162"/>
+            <a:ext cx="3791867" cy="1704994"/>
+          </a:xfrm>
+          <a:prstGeom prst="straightConnector1">
+            <a:avLst/>
+          </a:prstGeom>
+          <a:ln>
+            <a:tailEnd type="triangle"/>
+          </a:ln>
+        </p:spPr>
+        <p:style>
+          <a:lnRef idx="2">
+            <a:schemeClr val="accent1"/>
+          </a:lnRef>
+          <a:fillRef idx="0">
+            <a:schemeClr val="accent1"/>
+          </a:fillRef>
+          <a:effectRef idx="1">
+            <a:schemeClr val="accent1"/>
+          </a:effectRef>
+          <a:fontRef idx="minor">
+            <a:schemeClr val="tx1"/>
+          </a:fontRef>
+        </p:style>
+      </p:cxnSp>
+      <p:cxnSp>
+        <p:nvCxnSpPr>
+          <p:cNvPr id="24" name="Straight Arrow Connector 23">
+            <a:extLst>
+              <a:ext uri="{FF2B5EF4-FFF2-40B4-BE49-F238E27FC236}">
+                <a16:creationId xmlns:a16="http://schemas.microsoft.com/office/drawing/2014/main" id="{3B4CDD90-2A5A-7191-6DE3-C2A102C16277}"/>
+              </a:ext>
+            </a:extLst>
+          </p:cNvPr>
+          <p:cNvCxnSpPr>
+            <a:cxnSpLocks/>
+            <a:stCxn id="12" idx="3"/>
+            <a:endCxn id="18" idx="1"/>
+          </p:cNvCxnSpPr>
+          <p:nvPr/>
+        </p:nvCxnSpPr>
+        <p:spPr>
+          <a:xfrm>
+            <a:off x="4307704" y="3514156"/>
+            <a:ext cx="3854784" cy="25046"/>
+          </a:xfrm>
+          <a:prstGeom prst="straightConnector1">
+            <a:avLst/>
+          </a:prstGeom>
+          <a:ln>
+            <a:tailEnd type="triangle"/>
+          </a:ln>
+        </p:spPr>
+        <p:style>
+          <a:lnRef idx="2">
+            <a:schemeClr val="accent1"/>
+          </a:lnRef>
+          <a:fillRef idx="0">
+            <a:schemeClr val="accent1"/>
+          </a:fillRef>
+          <a:effectRef idx="1">
+            <a:schemeClr val="accent1"/>
+          </a:effectRef>
+          <a:fontRef idx="minor">
+            <a:schemeClr val="tx1"/>
+          </a:fontRef>
+        </p:style>
+      </p:cxnSp>
+      <p:cxnSp>
+        <p:nvCxnSpPr>
+          <p:cNvPr id="27" name="Straight Arrow Connector 26">
+            <a:extLst>
+              <a:ext uri="{FF2B5EF4-FFF2-40B4-BE49-F238E27FC236}">
+                <a16:creationId xmlns:a16="http://schemas.microsoft.com/office/drawing/2014/main" id="{15A1DAB8-729B-9C70-90DE-98A03EB4AEC0}"/>
+              </a:ext>
+            </a:extLst>
+          </p:cNvPr>
+          <p:cNvCxnSpPr>
+            <a:cxnSpLocks/>
+            <a:stCxn id="12" idx="3"/>
+            <a:endCxn id="19" idx="1"/>
+          </p:cNvCxnSpPr>
+          <p:nvPr/>
+        </p:nvCxnSpPr>
+        <p:spPr>
+          <a:xfrm>
+            <a:off x="4307704" y="3514156"/>
+            <a:ext cx="3854784" cy="1827535"/>
+          </a:xfrm>
+          <a:prstGeom prst="straightConnector1">
+            <a:avLst/>
+          </a:prstGeom>
+          <a:ln w="19050" cap="flat" cmpd="sng" algn="ctr">
+            <a:solidFill>
+              <a:schemeClr val="accent1"/>
+            </a:solidFill>
+            <a:prstDash val="dash"/>
+            <a:round/>
+            <a:headEnd type="none" w="med" len="med"/>
+            <a:tailEnd type="arrow" w="med" len="med"/>
+          </a:ln>
+        </p:spPr>
+        <p:style>
+          <a:lnRef idx="0">
+            <a:scrgbClr r="0" g="0" b="0"/>
+          </a:lnRef>
+          <a:fillRef idx="0">
+            <a:scrgbClr r="0" g="0" b="0"/>
+          </a:fillRef>
+          <a:effectRef idx="0">
+            <a:scrgbClr r="0" g="0" b="0"/>
+          </a:effectRef>
+          <a:fontRef idx="minor">
+            <a:schemeClr val="tx1"/>
+          </a:fontRef>
+        </p:style>
+      </p:cxnSp>
+      <p:sp>
+        <p:nvSpPr>
+          <p:cNvPr id="30" name="TextBox 29">
+            <a:extLst>
+              <a:ext uri="{FF2B5EF4-FFF2-40B4-BE49-F238E27FC236}">
+                <a16:creationId xmlns:a16="http://schemas.microsoft.com/office/drawing/2014/main" id="{3D9366ED-08A0-FCA8-F996-2986AC6DE1D7}"/>
+              </a:ext>
+            </a:extLst>
+          </p:cNvPr>
+          <p:cNvSpPr txBox="1"/>
+          <p:nvPr/>
+        </p:nvSpPr>
+        <p:spPr>
+          <a:xfrm rot="20172590">
+            <a:off x="4941906" y="2400588"/>
+            <a:ext cx="2808782" cy="215444"/>
+          </a:xfrm>
+          <a:prstGeom prst="rect">
+            <a:avLst/>
+          </a:prstGeom>
+          <a:noFill/>
+        </p:spPr>
+        <p:txBody>
+          <a:bodyPr wrap="none" rtlCol="0">
+            <a:spAutoFit/>
+          </a:bodyPr>
+          <a:lstStyle/>
+          <a:p>
+            <a:r>
+              <a:rPr lang="en-US" sz="800" dirty="0"/>
+              <a:t>http://experiment-001.subdomain.default.svc.cluster.local</a:t>
+            </a:r>
+          </a:p>
+        </p:txBody>
+      </p:sp>
+      <p:sp>
+        <p:nvSpPr>
+          <p:cNvPr id="31" name="TextBox 30">
+            <a:extLst>
+              <a:ext uri="{FF2B5EF4-FFF2-40B4-BE49-F238E27FC236}">
+                <a16:creationId xmlns:a16="http://schemas.microsoft.com/office/drawing/2014/main" id="{7C46C60B-43D4-E904-B73E-83BB5671E458}"/>
+              </a:ext>
+            </a:extLst>
+          </p:cNvPr>
+          <p:cNvSpPr txBox="1"/>
+          <p:nvPr/>
+        </p:nvSpPr>
+        <p:spPr>
+          <a:xfrm>
+            <a:off x="5208301" y="3312487"/>
+            <a:ext cx="2808782" cy="215444"/>
+          </a:xfrm>
+          <a:prstGeom prst="rect">
+            <a:avLst/>
+          </a:prstGeom>
+          <a:noFill/>
+        </p:spPr>
+        <p:txBody>
+          <a:bodyPr wrap="none" rtlCol="0">
+            <a:spAutoFit/>
+          </a:bodyPr>
+          <a:lstStyle/>
+          <a:p>
+            <a:r>
+              <a:rPr lang="en-US" sz="800" dirty="0"/>
+              <a:t>http://experiment-002.subdomain.default.svc.cluster.local</a:t>
+            </a:r>
+          </a:p>
+        </p:txBody>
+      </p:sp>
+      <p:cxnSp>
+        <p:nvCxnSpPr>
+          <p:cNvPr id="34" name="Straight Arrow Connector 33">
+            <a:extLst>
+              <a:ext uri="{FF2B5EF4-FFF2-40B4-BE49-F238E27FC236}">
+                <a16:creationId xmlns:a16="http://schemas.microsoft.com/office/drawing/2014/main" id="{9956B8F3-7A3D-BB0E-AF15-B04466D3756E}"/>
+              </a:ext>
+            </a:extLst>
+          </p:cNvPr>
+          <p:cNvCxnSpPr>
+            <a:cxnSpLocks/>
+            <a:stCxn id="16" idx="1"/>
+            <a:endCxn id="17" idx="3"/>
+          </p:cNvCxnSpPr>
+          <p:nvPr/>
+        </p:nvCxnSpPr>
+        <p:spPr>
+          <a:xfrm flipH="1" flipV="1">
+            <a:off x="8986007" y="1809162"/>
+            <a:ext cx="828413" cy="2082185"/>
+          </a:xfrm>
+          <a:prstGeom prst="straightConnector1">
+            <a:avLst/>
+          </a:prstGeom>
+          <a:ln>
+            <a:tailEnd type="triangle"/>
+          </a:ln>
+        </p:spPr>
+        <p:style>
+          <a:lnRef idx="2">
+            <a:schemeClr val="accent1"/>
+          </a:lnRef>
+          <a:fillRef idx="0">
+            <a:schemeClr val="accent1"/>
+          </a:fillRef>
+          <a:effectRef idx="1">
+            <a:schemeClr val="accent1"/>
+          </a:effectRef>
+          <a:fontRef idx="minor">
+            <a:schemeClr val="tx1"/>
+          </a:fontRef>
+        </p:style>
+      </p:cxnSp>
+      <p:cxnSp>
+        <p:nvCxnSpPr>
+          <p:cNvPr id="35" name="Straight Arrow Connector 34">
+            <a:extLst>
+              <a:ext uri="{FF2B5EF4-FFF2-40B4-BE49-F238E27FC236}">
+                <a16:creationId xmlns:a16="http://schemas.microsoft.com/office/drawing/2014/main" id="{6341B492-BA5E-D218-38F3-9078D8DA8874}"/>
+              </a:ext>
+            </a:extLst>
+          </p:cNvPr>
+          <p:cNvCxnSpPr>
+            <a:cxnSpLocks/>
+            <a:stCxn id="16" idx="1"/>
+            <a:endCxn id="18" idx="3"/>
+          </p:cNvCxnSpPr>
+          <p:nvPr/>
+        </p:nvCxnSpPr>
+        <p:spPr>
+          <a:xfrm flipH="1" flipV="1">
+            <a:off x="9078286" y="3539202"/>
+            <a:ext cx="736134" cy="352145"/>
+          </a:xfrm>
+          <a:prstGeom prst="straightConnector1">
+            <a:avLst/>
+          </a:prstGeom>
+          <a:ln>
+            <a:tailEnd type="triangle"/>
+          </a:ln>
+        </p:spPr>
+        <p:style>
+          <a:lnRef idx="2">
+            <a:schemeClr val="accent1"/>
+          </a:lnRef>
+          <a:fillRef idx="0">
+            <a:schemeClr val="accent1"/>
+          </a:fillRef>
+          <a:effectRef idx="1">
+            <a:schemeClr val="accent1"/>
+          </a:effectRef>
+          <a:fontRef idx="minor">
+            <a:schemeClr val="tx1"/>
+          </a:fontRef>
+        </p:style>
+      </p:cxnSp>
+      <p:cxnSp>
+        <p:nvCxnSpPr>
+          <p:cNvPr id="38" name="Straight Arrow Connector 37">
+            <a:extLst>
+              <a:ext uri="{FF2B5EF4-FFF2-40B4-BE49-F238E27FC236}">
+                <a16:creationId xmlns:a16="http://schemas.microsoft.com/office/drawing/2014/main" id="{F0AC38D8-7F82-A12F-45A4-E863345619E0}"/>
+              </a:ext>
+            </a:extLst>
+          </p:cNvPr>
+          <p:cNvCxnSpPr>
+            <a:cxnSpLocks/>
+            <a:stCxn id="16" idx="1"/>
+            <a:endCxn id="19" idx="3"/>
+          </p:cNvCxnSpPr>
+          <p:nvPr/>
+        </p:nvCxnSpPr>
+        <p:spPr>
+          <a:xfrm flipH="1">
+            <a:off x="9044730" y="3891347"/>
+            <a:ext cx="769690" cy="1450344"/>
+          </a:xfrm>
+          <a:prstGeom prst="straightConnector1">
+            <a:avLst/>
+          </a:prstGeom>
+          <a:ln>
+            <a:prstDash val="dash"/>
+            <a:tailEnd type="triangle"/>
+          </a:ln>
+        </p:spPr>
+        <p:style>
+          <a:lnRef idx="2">
+            <a:schemeClr val="accent1"/>
+          </a:lnRef>
+          <a:fillRef idx="0">
+            <a:schemeClr val="accent1"/>
+          </a:fillRef>
+          <a:effectRef idx="1">
+            <a:schemeClr val="accent1"/>
+          </a:effectRef>
+          <a:fontRef idx="minor">
+            <a:schemeClr val="tx1"/>
+          </a:fontRef>
+        </p:style>
+      </p:cxnSp>
+      <p:sp>
+        <p:nvSpPr>
+          <p:cNvPr id="2" name="TextBox 1">
+            <a:extLst>
+              <a:ext uri="{FF2B5EF4-FFF2-40B4-BE49-F238E27FC236}">
+                <a16:creationId xmlns:a16="http://schemas.microsoft.com/office/drawing/2014/main" id="{8CFC0F89-041C-A09A-4874-92A3A430B0FD}"/>
+              </a:ext>
+            </a:extLst>
+          </p:cNvPr>
+          <p:cNvSpPr txBox="1"/>
+          <p:nvPr/>
+        </p:nvSpPr>
+        <p:spPr>
+          <a:xfrm>
+            <a:off x="187234" y="171186"/>
+            <a:ext cx="3106300" cy="369332"/>
+          </a:xfrm>
+          <a:prstGeom prst="rect">
+            <a:avLst/>
+          </a:prstGeom>
+          <a:noFill/>
+        </p:spPr>
+        <p:txBody>
+          <a:bodyPr wrap="none" rtlCol="0">
+            <a:spAutoFit/>
+          </a:bodyPr>
+          <a:lstStyle/>
+          <a:p>
+            <a:r>
+              <a:rPr lang="en-US" dirty="0" err="1"/>
+              <a:t>DataAnalysis</a:t>
+            </a:r>
+            <a:r>
+              <a:rPr lang="en-US" dirty="0"/>
+              <a:t> - Worksheet API</a:t>
+            </a:r>
+          </a:p>
+        </p:txBody>
+      </p:sp>
+      <p:sp>
+        <p:nvSpPr>
+          <p:cNvPr id="40" name="TextBox 39">
+            <a:extLst>
+              <a:ext uri="{FF2B5EF4-FFF2-40B4-BE49-F238E27FC236}">
+                <a16:creationId xmlns:a16="http://schemas.microsoft.com/office/drawing/2014/main" id="{51556B4A-F486-1880-9642-0810E0A9C6D6}"/>
+              </a:ext>
+            </a:extLst>
+          </p:cNvPr>
+          <p:cNvSpPr txBox="1"/>
+          <p:nvPr/>
+        </p:nvSpPr>
+        <p:spPr>
+          <a:xfrm rot="1646420">
+            <a:off x="5938644" y="4382423"/>
+            <a:ext cx="1410964" cy="215444"/>
+          </a:xfrm>
+          <a:prstGeom prst="rect">
+            <a:avLst/>
+          </a:prstGeom>
+          <a:noFill/>
+        </p:spPr>
+        <p:txBody>
+          <a:bodyPr wrap="none" rtlCol="0">
+            <a:spAutoFit/>
+          </a:bodyPr>
+          <a:lstStyle/>
+          <a:p>
+            <a:r>
+              <a:rPr lang="en-US" sz="800" dirty="0"/>
+              <a:t>Create next experiment pod</a:t>
+            </a:r>
+          </a:p>
+        </p:txBody>
+      </p:sp>
+    </p:spTree>
+    <p:extLst>
+      <p:ext uri="{BB962C8B-B14F-4D97-AF65-F5344CB8AC3E}">
+        <p14:creationId xmlns:p14="http://schemas.microsoft.com/office/powerpoint/2010/main" val="1390669967"/>
       </p:ext>
     </p:extLst>
   </p:cSld>
